--- a/（模板）LeetCode 第  题：“”题解配图.pptx
+++ b/（模板）LeetCode 第  题：“”题解配图.pptx
@@ -346,7 +346,7 @@
           <a:p>
             <a:fld id="{7C955CD6-C544-6447-88CB-A2D8D4C328B3}" type="datetimeFigureOut">
               <a:rPr kumimoji="1" lang="zh-CN" altLang="en-US" smtClean="0"/>
-              <a:t>2019/7/1</a:t>
+              <a:t>2019/7/3</a:t>
             </a:fld>
             <a:endParaRPr kumimoji="1" lang="zh-CN" altLang="en-US"/>
           </a:p>
@@ -1132,8 +1132,8 @@
         </p:nvCxnSpPr>
         <p:spPr>
           <a:xfrm flipH="1">
-            <a:off x="4074923" y="3261442"/>
-            <a:ext cx="3655621" cy="700958"/>
+            <a:off x="7805996" y="3736920"/>
+            <a:ext cx="3666425" cy="0"/>
           </a:xfrm>
           <a:prstGeom prst="straightConnector1">
             <a:avLst/>
@@ -1370,6 +1370,263 @@
               </a:rPr>
               <a:t>复制</a:t>
             </a:r>
+          </a:p>
+        </p:txBody>
+      </p:sp>
+      <p:sp>
+        <p:nvSpPr>
+          <p:cNvPr id="17" name="左大括号 16">
+            <a:extLst>
+              <a:ext uri="{FF2B5EF4-FFF2-40B4-BE49-F238E27FC236}">
+                <a16:creationId xmlns:a16="http://schemas.microsoft.com/office/drawing/2014/main" id="{93285427-6338-B644-BFCC-FADA6E857965}"/>
+              </a:ext>
+            </a:extLst>
+          </p:cNvPr>
+          <p:cNvSpPr/>
+          <p:nvPr/>
+        </p:nvSpPr>
+        <p:spPr>
+          <a:xfrm rot="5400000">
+            <a:off x="1402978" y="3650529"/>
+            <a:ext cx="318402" cy="908657"/>
+          </a:xfrm>
+          <a:prstGeom prst="leftBrace">
+            <a:avLst>
+              <a:gd name="adj1" fmla="val 8333"/>
+              <a:gd name="adj2" fmla="val 51622"/>
+            </a:avLst>
+          </a:prstGeom>
+          <a:ln w="19050">
+            <a:solidFill>
+              <a:srgbClr val="00B050"/>
+            </a:solidFill>
+          </a:ln>
+        </p:spPr>
+        <p:style>
+          <a:lnRef idx="1">
+            <a:schemeClr val="accent1"/>
+          </a:lnRef>
+          <a:fillRef idx="0">
+            <a:schemeClr val="accent1"/>
+          </a:fillRef>
+          <a:effectRef idx="0">
+            <a:schemeClr val="accent1"/>
+          </a:effectRef>
+          <a:fontRef idx="minor">
+            <a:schemeClr val="tx1"/>
+          </a:fontRef>
+        </p:style>
+        <p:txBody>
+          <a:bodyPr rtlCol="0" anchor="ctr"/>
+          <a:lstStyle/>
+          <a:p>
+            <a:pPr algn="ctr"/>
+            <a:endParaRPr kumimoji="1" lang="zh-CN" altLang="en-US"/>
+          </a:p>
+        </p:txBody>
+      </p:sp>
+      <p:sp>
+        <p:nvSpPr>
+          <p:cNvPr id="18" name="矩形 17">
+            <a:extLst>
+              <a:ext uri="{FF2B5EF4-FFF2-40B4-BE49-F238E27FC236}">
+                <a16:creationId xmlns:a16="http://schemas.microsoft.com/office/drawing/2014/main" id="{42D33C7C-D1D3-A84B-B42A-812F7FBF5498}"/>
+              </a:ext>
+            </a:extLst>
+          </p:cNvPr>
+          <p:cNvSpPr/>
+          <p:nvPr/>
+        </p:nvSpPr>
+        <p:spPr>
+          <a:xfrm>
+            <a:off x="996600" y="3503812"/>
+            <a:ext cx="2548944" cy="369332"/>
+          </a:xfrm>
+          <a:prstGeom prst="rect">
+            <a:avLst/>
+          </a:prstGeom>
+        </p:spPr>
+        <p:txBody>
+          <a:bodyPr wrap="square">
+            <a:spAutoFit/>
+          </a:bodyPr>
+          <a:lstStyle/>
+          <a:p>
+            <a:r>
+              <a:rPr lang="en-US" altLang="zh-CN" dirty="0" err="1">
+                <a:latin typeface="Times New Roman" charset="0"/>
+                <a:ea typeface="楷体" charset="-122"/>
+                <a:cs typeface="Times New Roman" charset="0"/>
+              </a:rPr>
+              <a:t>dp</a:t>
+            </a:r>
+            <a:r>
+              <a:rPr lang="en-US" altLang="zh-CN" dirty="0">
+                <a:latin typeface="Times New Roman" charset="0"/>
+                <a:ea typeface="楷体" charset="-122"/>
+                <a:cs typeface="Times New Roman" charset="0"/>
+              </a:rPr>
+              <a:t>[0]</a:t>
+            </a:r>
+            <a:r>
+              <a:rPr lang="zh-CN" altLang="en-US" dirty="0">
+                <a:latin typeface="Times New Roman" charset="0"/>
+                <a:ea typeface="楷体" charset="-122"/>
+                <a:cs typeface="Times New Roman" charset="0"/>
+              </a:rPr>
+              <a:t> </a:t>
+            </a:r>
+            <a:r>
+              <a:rPr lang="en-US" altLang="zh-CN" dirty="0">
+                <a:latin typeface="Times New Roman" charset="0"/>
+                <a:ea typeface="楷体" charset="-122"/>
+                <a:cs typeface="Times New Roman" charset="0"/>
+              </a:rPr>
+              <a:t>=</a:t>
+            </a:r>
+            <a:r>
+              <a:rPr lang="zh-CN" altLang="en-US" dirty="0">
+                <a:latin typeface="Times New Roman" charset="0"/>
+                <a:ea typeface="楷体" charset="-122"/>
+                <a:cs typeface="Times New Roman" charset="0"/>
+              </a:rPr>
+              <a:t> </a:t>
+            </a:r>
+            <a:r>
+              <a:rPr lang="en-US" altLang="zh-CN" dirty="0" err="1">
+                <a:latin typeface="Times New Roman" charset="0"/>
+                <a:ea typeface="楷体" charset="-122"/>
+                <a:cs typeface="Times New Roman" charset="0"/>
+              </a:rPr>
+              <a:t>Fasle</a:t>
+            </a:r>
+            <a:endParaRPr lang="zh-CN" altLang="en-US" dirty="0">
+              <a:latin typeface="Times New Roman" charset="0"/>
+              <a:ea typeface="楷体" charset="-122"/>
+              <a:cs typeface="Times New Roman" charset="0"/>
+            </a:endParaRPr>
+          </a:p>
+        </p:txBody>
+      </p:sp>
+      <p:sp>
+        <p:nvSpPr>
+          <p:cNvPr id="19" name="矩形 18">
+            <a:extLst>
+              <a:ext uri="{FF2B5EF4-FFF2-40B4-BE49-F238E27FC236}">
+                <a16:creationId xmlns:a16="http://schemas.microsoft.com/office/drawing/2014/main" id="{1ADEC195-B0DD-324C-9E37-3DD086759CC9}"/>
+              </a:ext>
+            </a:extLst>
+          </p:cNvPr>
+          <p:cNvSpPr/>
+          <p:nvPr/>
+        </p:nvSpPr>
+        <p:spPr>
+          <a:xfrm>
+            <a:off x="3190470" y="3503812"/>
+            <a:ext cx="3615258" cy="369332"/>
+          </a:xfrm>
+          <a:prstGeom prst="rect">
+            <a:avLst/>
+          </a:prstGeom>
+        </p:spPr>
+        <p:txBody>
+          <a:bodyPr wrap="square">
+            <a:spAutoFit/>
+          </a:bodyPr>
+          <a:lstStyle/>
+          <a:p>
+            <a:r>
+              <a:rPr lang="zh-CN" altLang="en-US" dirty="0">
+                <a:latin typeface="Times New Roman" charset="0"/>
+                <a:ea typeface="楷体" charset="-122"/>
+                <a:cs typeface="Times New Roman" charset="0"/>
+              </a:rPr>
+              <a:t>子串“</a:t>
+            </a:r>
+            <a:r>
+              <a:rPr lang="en-US" altLang="zh-CN" dirty="0" err="1">
+                <a:latin typeface="Times New Roman" charset="0"/>
+                <a:ea typeface="楷体" charset="-122"/>
+                <a:cs typeface="Times New Roman" charset="0"/>
+              </a:rPr>
+              <a:t>eetcode</a:t>
+            </a:r>
+            <a:r>
+              <a:rPr lang="zh-CN" altLang="en-US" dirty="0">
+                <a:latin typeface="Times New Roman" charset="0"/>
+                <a:ea typeface="楷体" charset="-122"/>
+                <a:cs typeface="Times New Roman" charset="0"/>
+              </a:rPr>
+              <a:t>” 不在 </a:t>
+            </a:r>
+            <a:r>
+              <a:rPr lang="en-US" altLang="zh-CN" dirty="0" err="1">
+                <a:latin typeface="Times New Roman" charset="0"/>
+                <a:ea typeface="楷体" charset="-122"/>
+                <a:cs typeface="Times New Roman" charset="0"/>
+              </a:rPr>
+              <a:t>wordDict</a:t>
+            </a:r>
+            <a:r>
+              <a:rPr lang="zh-CN" altLang="en-US" dirty="0">
+                <a:latin typeface="Times New Roman" charset="0"/>
+                <a:ea typeface="楷体" charset="-122"/>
+                <a:cs typeface="Times New Roman" charset="0"/>
+              </a:rPr>
+              <a:t> 中</a:t>
+            </a:r>
+          </a:p>
+        </p:txBody>
+      </p:sp>
+      <p:sp>
+        <p:nvSpPr>
+          <p:cNvPr id="20" name="左大括号 19">
+            <a:extLst>
+              <a:ext uri="{FF2B5EF4-FFF2-40B4-BE49-F238E27FC236}">
+                <a16:creationId xmlns:a16="http://schemas.microsoft.com/office/drawing/2014/main" id="{6895D63B-40C2-974F-AE64-BA4D4781C631}"/>
+              </a:ext>
+            </a:extLst>
+          </p:cNvPr>
+          <p:cNvSpPr/>
+          <p:nvPr/>
+        </p:nvSpPr>
+        <p:spPr>
+          <a:xfrm rot="5400000">
+            <a:off x="5005596" y="1080002"/>
+            <a:ext cx="317802" cy="6049108"/>
+          </a:xfrm>
+          <a:prstGeom prst="leftBrace">
+            <a:avLst>
+              <a:gd name="adj1" fmla="val 8333"/>
+              <a:gd name="adj2" fmla="val 51622"/>
+            </a:avLst>
+          </a:prstGeom>
+          <a:ln w="19050">
+            <a:solidFill>
+              <a:srgbClr val="00B050"/>
+            </a:solidFill>
+          </a:ln>
+        </p:spPr>
+        <p:style>
+          <a:lnRef idx="1">
+            <a:schemeClr val="accent1"/>
+          </a:lnRef>
+          <a:fillRef idx="0">
+            <a:schemeClr val="accent1"/>
+          </a:fillRef>
+          <a:effectRef idx="0">
+            <a:schemeClr val="accent1"/>
+          </a:effectRef>
+          <a:fontRef idx="minor">
+            <a:schemeClr val="tx1"/>
+          </a:fontRef>
+        </p:style>
+        <p:txBody>
+          <a:bodyPr rtlCol="0" anchor="ctr"/>
+          <a:lstStyle/>
+          <a:p>
+            <a:pPr algn="ctr"/>
+            <a:endParaRPr kumimoji="1" lang="zh-CN" altLang="en-US"/>
           </a:p>
         </p:txBody>
       </p:sp>

--- a/（模板）LeetCode 第  题：“”题解配图.pptx
+++ b/（模板）LeetCode 第  题：“”题解配图.pptx
@@ -6,6 +6,7 @@
   </p:sldMasterIdLst>
   <p:sldIdLst>
     <p:sldId id="259" r:id="rId2"/>
+    <p:sldId id="260" r:id="rId3"/>
   </p:sldIdLst>
   <p:sldSz cx="12192000" cy="6858000"/>
   <p:notesSz cx="6858000" cy="9144000"/>
@@ -346,7 +347,7 @@
           <a:p>
             <a:fld id="{7C955CD6-C544-6447-88CB-A2D8D4C328B3}" type="datetimeFigureOut">
               <a:rPr kumimoji="1" lang="zh-CN" altLang="en-US" smtClean="0"/>
-              <a:t>2019/7/3</a:t>
+              <a:t>2019/7/26</a:t>
             </a:fld>
             <a:endParaRPr kumimoji="1" lang="zh-CN" altLang="en-US"/>
           </a:p>
@@ -985,7 +986,7 @@
         </p:nvSpPr>
         <p:spPr>
           <a:xfrm>
-            <a:off x="2476272" y="1134626"/>
+            <a:off x="433427" y="1295645"/>
             <a:ext cx="5021938" cy="1323439"/>
           </a:xfrm>
           <a:prstGeom prst="rect">
@@ -1010,6 +1011,7 @@
                   <a:schemeClr val="bg1"/>
                 </a:solidFill>
                 <a:latin typeface="Times New Roman" panose="02020603050405020304" pitchFamily="18" charset="0"/>
+                <a:ea typeface="KaiTi" panose="02010609060101010101" pitchFamily="49" charset="-122"/>
                 <a:cs typeface="Times New Roman" panose="02020603050405020304" pitchFamily="18" charset="0"/>
               </a:rPr>
               <a:t>这里的 1 和它的前一个元素 1 相等，即 </a:t>
@@ -1019,6 +1021,7 @@
                 <a:schemeClr val="bg1"/>
               </a:solidFill>
               <a:latin typeface="Times New Roman" panose="02020603050405020304" pitchFamily="18" charset="0"/>
+              <a:ea typeface="KaiTi" panose="02010609060101010101" pitchFamily="49" charset="-122"/>
               <a:cs typeface="Times New Roman" panose="02020603050405020304" pitchFamily="18" charset="0"/>
             </a:endParaRPr>
           </a:p>
@@ -1029,6 +1032,7 @@
                   <a:schemeClr val="bg1"/>
                 </a:solidFill>
                 <a:latin typeface="Times New Roman" panose="02020603050405020304" pitchFamily="18" charset="0"/>
+                <a:ea typeface="KaiTi" panose="02010609060101010101" pitchFamily="49" charset="-122"/>
                 <a:cs typeface="Times New Roman" panose="02020603050405020304" pitchFamily="18" charset="0"/>
               </a:rPr>
               <a:t>nums[i - 1] </a:t>
@@ -1039,6 +1043,7 @@
                   <a:schemeClr val="bg1"/>
                 </a:solidFill>
                 <a:latin typeface="Times New Roman" panose="02020603050405020304" pitchFamily="18" charset="0"/>
+                <a:ea typeface="KaiTi" panose="02010609060101010101" pitchFamily="49" charset="-122"/>
                 <a:cs typeface="Times New Roman" panose="02020603050405020304" pitchFamily="18" charset="0"/>
               </a:rPr>
               <a:t>=</a:t>
@@ -1049,6 +1054,7 @@
                   <a:schemeClr val="bg1"/>
                 </a:solidFill>
                 <a:latin typeface="Times New Roman" panose="02020603050405020304" pitchFamily="18" charset="0"/>
+                <a:ea typeface="KaiTi" panose="02010609060101010101" pitchFamily="49" charset="-122"/>
                 <a:cs typeface="Times New Roman" panose="02020603050405020304" pitchFamily="18" charset="0"/>
               </a:rPr>
               <a:t>= nums[i] 为 </a:t>
@@ -1059,6 +1065,7 @@
                   <a:schemeClr val="bg1"/>
                 </a:solidFill>
                 <a:latin typeface="Times New Roman" panose="02020603050405020304" pitchFamily="18" charset="0"/>
+                <a:ea typeface="KaiTi" panose="02010609060101010101" pitchFamily="49" charset="-122"/>
                 <a:cs typeface="Times New Roman" panose="02020603050405020304" pitchFamily="18" charset="0"/>
               </a:rPr>
               <a:t>true</a:t>
@@ -1069,6 +1076,7 @@
                   <a:schemeClr val="bg1"/>
                 </a:solidFill>
                 <a:latin typeface="Times New Roman" panose="02020603050405020304" pitchFamily="18" charset="0"/>
+                <a:ea typeface="KaiTi" panose="02010609060101010101" pitchFamily="49" charset="-122"/>
                 <a:cs typeface="Times New Roman" panose="02020603050405020304" pitchFamily="18" charset="0"/>
               </a:rPr>
               <a:t>，并且它的前一个元素 1 也下一步要考虑的范围内，即 </a:t>
@@ -1079,6 +1087,7 @@
                   <a:schemeClr val="bg1"/>
                 </a:solidFill>
                 <a:latin typeface="Times New Roman" panose="02020603050405020304" pitchFamily="18" charset="0"/>
+                <a:ea typeface="KaiTi" panose="02010609060101010101" pitchFamily="49" charset="-122"/>
                 <a:cs typeface="Times New Roman" panose="02020603050405020304" pitchFamily="18" charset="0"/>
               </a:rPr>
               <a:t>used</a:t>
@@ -1089,6 +1098,7 @@
                   <a:schemeClr val="bg1"/>
                 </a:solidFill>
                 <a:latin typeface="Times New Roman" panose="02020603050405020304" pitchFamily="18" charset="0"/>
+                <a:ea typeface="KaiTi" panose="02010609060101010101" pitchFamily="49" charset="-122"/>
                 <a:cs typeface="Times New Roman" panose="02020603050405020304" pitchFamily="18" charset="0"/>
               </a:rPr>
               <a:t>[i - 1] </a:t>
@@ -1099,6 +1109,7 @@
                   <a:schemeClr val="bg1"/>
                 </a:solidFill>
                 <a:latin typeface="Times New Roman" panose="02020603050405020304" pitchFamily="18" charset="0"/>
+                <a:ea typeface="KaiTi" panose="02010609060101010101" pitchFamily="49" charset="-122"/>
                 <a:cs typeface="Times New Roman" panose="02020603050405020304" pitchFamily="18" charset="0"/>
               </a:rPr>
               <a:t>=</a:t>
@@ -1109,6 +1120,7 @@
                   <a:schemeClr val="bg1"/>
                 </a:solidFill>
                 <a:latin typeface="Times New Roman" panose="02020603050405020304" pitchFamily="18" charset="0"/>
+                <a:ea typeface="KaiTi" panose="02010609060101010101" pitchFamily="49" charset="-122"/>
                 <a:cs typeface="Times New Roman" panose="02020603050405020304" pitchFamily="18" charset="0"/>
               </a:rPr>
               <a:t>= false 成立。从图中可以看出，画出来的子树和前一步是重复的，因此要把这个分支剪去。</a:t>
@@ -1630,10 +1642,517 @@
           </a:p>
         </p:txBody>
       </p:sp>
+      <p:sp>
+        <p:nvSpPr>
+          <p:cNvPr id="21" name="圆角矩形 20">
+            <a:extLst>
+              <a:ext uri="{FF2B5EF4-FFF2-40B4-BE49-F238E27FC236}">
+                <a16:creationId xmlns:a16="http://schemas.microsoft.com/office/drawing/2014/main" id="{E9694495-6765-3E47-A164-6A9D8BC641E3}"/>
+              </a:ext>
+            </a:extLst>
+          </p:cNvPr>
+          <p:cNvSpPr/>
+          <p:nvPr/>
+        </p:nvSpPr>
+        <p:spPr>
+          <a:xfrm>
+            <a:off x="433427" y="753820"/>
+            <a:ext cx="7517719" cy="463371"/>
+          </a:xfrm>
+          <a:prstGeom prst="roundRect">
+            <a:avLst/>
+          </a:prstGeom>
+          <a:solidFill>
+            <a:srgbClr val="FFFF00">
+              <a:alpha val="50000"/>
+            </a:srgbClr>
+          </a:solidFill>
+          <a:ln>
+            <a:noFill/>
+          </a:ln>
+        </p:spPr>
+        <p:style>
+          <a:lnRef idx="2">
+            <a:schemeClr val="accent1">
+              <a:shade val="50000"/>
+            </a:schemeClr>
+          </a:lnRef>
+          <a:fillRef idx="1">
+            <a:schemeClr val="accent1"/>
+          </a:fillRef>
+          <a:effectRef idx="0">
+            <a:schemeClr val="accent1"/>
+          </a:effectRef>
+          <a:fontRef idx="minor">
+            <a:schemeClr val="lt1"/>
+          </a:fontRef>
+        </p:style>
+        <p:txBody>
+          <a:bodyPr rtlCol="0" anchor="ctr"/>
+          <a:lstStyle/>
+          <a:p>
+            <a:pPr algn="ctr"/>
+            <a:endParaRPr kumimoji="1" lang="zh-CN" altLang="en-US"/>
+          </a:p>
+        </p:txBody>
+      </p:sp>
+      <p:pic>
+        <p:nvPicPr>
+          <p:cNvPr id="22" name="图形 21" descr="剪刀">
+            <a:extLst>
+              <a:ext uri="{FF2B5EF4-FFF2-40B4-BE49-F238E27FC236}">
+                <a16:creationId xmlns:a16="http://schemas.microsoft.com/office/drawing/2014/main" id="{1877E808-94C8-BC4F-B2F6-204E113C89CD}"/>
+              </a:ext>
+            </a:extLst>
+          </p:cNvPr>
+          <p:cNvPicPr>
+            <a:picLocks noChangeAspect="1"/>
+          </p:cNvPicPr>
+          <p:nvPr/>
+        </p:nvPicPr>
+        <p:blipFill>
+          <a:blip r:embed="rId2">
+            <a:extLst>
+              <a:ext uri="{96DAC541-7B7A-43D3-8B79-37D633B846F1}">
+                <asvg:svgBlip xmlns:asvg="http://schemas.microsoft.com/office/drawing/2016/SVG/main" r:embed="rId3"/>
+              </a:ext>
+            </a:extLst>
+          </a:blip>
+          <a:stretch>
+            <a:fillRect/>
+          </a:stretch>
+        </p:blipFill>
+        <p:spPr>
+          <a:xfrm>
+            <a:off x="10086467" y="1242104"/>
+            <a:ext cx="914400" cy="914400"/>
+          </a:xfrm>
+          <a:prstGeom prst="rect">
+            <a:avLst/>
+          </a:prstGeom>
+        </p:spPr>
+      </p:pic>
+      <p:pic>
+        <p:nvPicPr>
+          <p:cNvPr id="23" name="图形 22" descr="剪刀">
+            <a:extLst>
+              <a:ext uri="{FF2B5EF4-FFF2-40B4-BE49-F238E27FC236}">
+                <a16:creationId xmlns:a16="http://schemas.microsoft.com/office/drawing/2014/main" id="{ABFBD405-C926-FB45-92D4-760652D16052}"/>
+              </a:ext>
+            </a:extLst>
+          </p:cNvPr>
+          <p:cNvPicPr>
+            <a:picLocks noChangeAspect="1"/>
+          </p:cNvPicPr>
+          <p:nvPr/>
+        </p:nvPicPr>
+        <p:blipFill>
+          <a:blip r:embed="rId4">
+            <a:extLst>
+              <a:ext uri="{96DAC541-7B7A-43D3-8B79-37D633B846F1}">
+                <asvg:svgBlip xmlns:asvg="http://schemas.microsoft.com/office/drawing/2016/SVG/main" r:embed="rId5"/>
+              </a:ext>
+            </a:extLst>
+          </a:blip>
+          <a:stretch>
+            <a:fillRect/>
+          </a:stretch>
+        </p:blipFill>
+        <p:spPr>
+          <a:xfrm>
+            <a:off x="9681892" y="4004757"/>
+            <a:ext cx="1753984" cy="1753984"/>
+          </a:xfrm>
+          <a:prstGeom prst="rect">
+            <a:avLst/>
+          </a:prstGeom>
+        </p:spPr>
+      </p:pic>
+      <p:sp>
+        <p:nvSpPr>
+          <p:cNvPr id="24" name="下箭头 23">
+            <a:extLst>
+              <a:ext uri="{FF2B5EF4-FFF2-40B4-BE49-F238E27FC236}">
+                <a16:creationId xmlns:a16="http://schemas.microsoft.com/office/drawing/2014/main" id="{E244C267-4466-4F4C-8A1C-EC2E9F40D8A5}"/>
+              </a:ext>
+            </a:extLst>
+          </p:cNvPr>
+          <p:cNvSpPr/>
+          <p:nvPr/>
+        </p:nvSpPr>
+        <p:spPr>
+          <a:xfrm rot="16200000">
+            <a:off x="4066393" y="1320684"/>
+            <a:ext cx="433505" cy="7336000"/>
+          </a:xfrm>
+          <a:prstGeom prst="downArrow">
+            <a:avLst/>
+          </a:prstGeom>
+          <a:gradFill>
+            <a:gsLst>
+              <a:gs pos="0">
+                <a:schemeClr val="bg1"/>
+              </a:gs>
+              <a:gs pos="74000">
+                <a:srgbClr val="FF0000"/>
+              </a:gs>
+              <a:gs pos="83000">
+                <a:srgbClr val="C00000"/>
+              </a:gs>
+              <a:gs pos="100000">
+                <a:srgbClr val="C00000"/>
+              </a:gs>
+            </a:gsLst>
+            <a:lin ang="5400000" scaled="1"/>
+          </a:gradFill>
+          <a:ln>
+            <a:noFill/>
+          </a:ln>
+          <a:effectLst>
+            <a:outerShdw blurRad="50800" dist="38100" dir="13500000" algn="br" rotWithShape="0">
+              <a:prstClr val="black">
+                <a:alpha val="40000"/>
+              </a:prstClr>
+            </a:outerShdw>
+          </a:effectLst>
+        </p:spPr>
+        <p:style>
+          <a:lnRef idx="2">
+            <a:schemeClr val="accent1">
+              <a:shade val="50000"/>
+            </a:schemeClr>
+          </a:lnRef>
+          <a:fillRef idx="1">
+            <a:schemeClr val="accent1"/>
+          </a:fillRef>
+          <a:effectRef idx="0">
+            <a:schemeClr val="accent1"/>
+          </a:effectRef>
+          <a:fontRef idx="minor">
+            <a:schemeClr val="lt1"/>
+          </a:fontRef>
+        </p:style>
+        <p:txBody>
+          <a:bodyPr rtlCol="0" anchor="ctr"/>
+          <a:lstStyle/>
+          <a:p>
+            <a:pPr algn="ctr"/>
+            <a:endParaRPr kumimoji="1" lang="zh-CN" altLang="en-US"/>
+          </a:p>
+        </p:txBody>
+      </p:sp>
     </p:spTree>
     <p:extLst>
       <p:ext uri="{BB962C8B-B14F-4D97-AF65-F5344CB8AC3E}">
         <p14:creationId xmlns:p14="http://schemas.microsoft.com/office/powerpoint/2010/main" val="3320046645"/>
+      </p:ext>
+    </p:extLst>
+  </p:cSld>
+  <p:clrMapOvr>
+    <a:masterClrMapping/>
+  </p:clrMapOvr>
+</p:sld>
+</file>
+
+<file path=ppt/slides/slide2.xml><?xml version="1.0" encoding="utf-8"?>
+<p:sld xmlns:a="http://schemas.openxmlformats.org/drawingml/2006/main" xmlns:r="http://schemas.openxmlformats.org/officeDocument/2006/relationships" xmlns:p="http://schemas.openxmlformats.org/presentationml/2006/main">
+  <p:cSld>
+    <p:spTree>
+      <p:nvGrpSpPr>
+        <p:cNvPr id="1" name=""/>
+        <p:cNvGrpSpPr/>
+        <p:nvPr/>
+      </p:nvGrpSpPr>
+      <p:grpSpPr>
+        <a:xfrm>
+          <a:off x="0" y="0"/>
+          <a:ext cx="0" cy="0"/>
+          <a:chOff x="0" y="0"/>
+          <a:chExt cx="0" cy="0"/>
+        </a:xfrm>
+      </p:grpSpPr>
+      <p:grpSp>
+        <p:nvGrpSpPr>
+          <p:cNvPr id="2" name="组合 1">
+            <a:extLst>
+              <a:ext uri="{FF2B5EF4-FFF2-40B4-BE49-F238E27FC236}">
+                <a16:creationId xmlns:a16="http://schemas.microsoft.com/office/drawing/2014/main" id="{E17A1EF0-30D7-324A-A54E-FC81A8598299}"/>
+              </a:ext>
+            </a:extLst>
+          </p:cNvPr>
+          <p:cNvGrpSpPr/>
+          <p:nvPr/>
+        </p:nvGrpSpPr>
+        <p:grpSpPr>
+          <a:xfrm>
+            <a:off x="193709" y="2713873"/>
+            <a:ext cx="6119446" cy="1751207"/>
+            <a:chOff x="6224954" y="5013009"/>
+            <a:chExt cx="6119446" cy="1751207"/>
+          </a:xfrm>
+        </p:grpSpPr>
+        <p:sp>
+          <p:nvSpPr>
+            <p:cNvPr id="3" name="矩形 2">
+              <a:extLst>
+                <a:ext uri="{FF2B5EF4-FFF2-40B4-BE49-F238E27FC236}">
+                  <a16:creationId xmlns:a16="http://schemas.microsoft.com/office/drawing/2014/main" id="{DE3F44D5-8701-B34C-A174-A1CDCDD0D31D}"/>
+                </a:ext>
+              </a:extLst>
+            </p:cNvPr>
+            <p:cNvSpPr/>
+            <p:nvPr/>
+          </p:nvSpPr>
+          <p:spPr>
+            <a:xfrm>
+              <a:off x="6224954" y="5013010"/>
+              <a:ext cx="6119446" cy="1751206"/>
+            </a:xfrm>
+            <a:prstGeom prst="rect">
+              <a:avLst/>
+            </a:prstGeom>
+            <a:solidFill>
+              <a:srgbClr val="FFFF00">
+                <a:alpha val="20000"/>
+              </a:srgbClr>
+            </a:solidFill>
+            <a:ln>
+              <a:noFill/>
+            </a:ln>
+          </p:spPr>
+          <p:style>
+            <a:lnRef idx="2">
+              <a:schemeClr val="accent1">
+                <a:shade val="50000"/>
+              </a:schemeClr>
+            </a:lnRef>
+            <a:fillRef idx="1">
+              <a:schemeClr val="accent1"/>
+            </a:fillRef>
+            <a:effectRef idx="0">
+              <a:schemeClr val="accent1"/>
+            </a:effectRef>
+            <a:fontRef idx="minor">
+              <a:schemeClr val="lt1"/>
+            </a:fontRef>
+          </p:style>
+          <p:txBody>
+            <a:bodyPr rtlCol="0" anchor="ctr"/>
+            <a:lstStyle/>
+            <a:p>
+              <a:pPr algn="ctr"/>
+              <a:endParaRPr kumimoji="1" lang="zh-CN" altLang="en-US" dirty="0"/>
+            </a:p>
+          </p:txBody>
+        </p:sp>
+        <p:sp>
+          <p:nvSpPr>
+            <p:cNvPr id="4" name="矩形 3">
+              <a:extLst>
+                <a:ext uri="{FF2B5EF4-FFF2-40B4-BE49-F238E27FC236}">
+                  <a16:creationId xmlns:a16="http://schemas.microsoft.com/office/drawing/2014/main" id="{BB45B0CD-25A3-6748-AFAD-90BAC00EF296}"/>
+                </a:ext>
+              </a:extLst>
+            </p:cNvPr>
+            <p:cNvSpPr/>
+            <p:nvPr/>
+          </p:nvSpPr>
+          <p:spPr>
+            <a:xfrm>
+              <a:off x="6374709" y="5399974"/>
+              <a:ext cx="4281569" cy="369332"/>
+            </a:xfrm>
+            <a:prstGeom prst="rect">
+              <a:avLst/>
+            </a:prstGeom>
+            <a:solidFill>
+              <a:srgbClr val="0432FF"/>
+            </a:solidFill>
+            <a:effectLst>
+              <a:softEdge rad="31750"/>
+            </a:effectLst>
+          </p:spPr>
+          <p:txBody>
+            <a:bodyPr wrap="square">
+              <a:spAutoFit/>
+            </a:bodyPr>
+            <a:lstStyle/>
+            <a:p>
+              <a:r>
+                <a:rPr lang="zh-CN" altLang="en-US" dirty="0">
+                  <a:solidFill>
+                    <a:schemeClr val="bg1"/>
+                  </a:solidFill>
+                  <a:latin typeface="Times New Roman" panose="02020603050405020304" pitchFamily="18" charset="0"/>
+                  <a:ea typeface="KaiTi_GB2312" panose="02010609030101010101" pitchFamily="49" charset="-122"/>
+                  <a:cs typeface="Times New Roman" panose="02020603050405020304" pitchFamily="18" charset="0"/>
+                </a:rPr>
+                <a:t>蓝色结点为非叶子结点，表示递归求解。</a:t>
+              </a:r>
+              <a:endParaRPr lang="en-US" altLang="zh-CN" dirty="0">
+                <a:solidFill>
+                  <a:schemeClr val="bg1"/>
+                </a:solidFill>
+                <a:latin typeface="Times New Roman" panose="02020603050405020304" pitchFamily="18" charset="0"/>
+                <a:ea typeface="KaiTi_GB2312" panose="02010609030101010101" pitchFamily="49" charset="-122"/>
+                <a:cs typeface="Times New Roman" panose="02020603050405020304" pitchFamily="18" charset="0"/>
+              </a:endParaRPr>
+            </a:p>
+          </p:txBody>
+        </p:sp>
+        <p:sp>
+          <p:nvSpPr>
+            <p:cNvPr id="5" name="矩形 4">
+              <a:extLst>
+                <a:ext uri="{FF2B5EF4-FFF2-40B4-BE49-F238E27FC236}">
+                  <a16:creationId xmlns:a16="http://schemas.microsoft.com/office/drawing/2014/main" id="{F9EBBC4E-EEB5-1C4E-97CD-0D1B1E821AEC}"/>
+                </a:ext>
+              </a:extLst>
+            </p:cNvPr>
+            <p:cNvSpPr/>
+            <p:nvPr/>
+          </p:nvSpPr>
+          <p:spPr>
+            <a:xfrm>
+              <a:off x="6374709" y="5852712"/>
+              <a:ext cx="5864184" cy="369332"/>
+            </a:xfrm>
+            <a:prstGeom prst="rect">
+              <a:avLst/>
+            </a:prstGeom>
+            <a:solidFill>
+              <a:srgbClr val="FF0000"/>
+            </a:solidFill>
+            <a:effectLst>
+              <a:softEdge rad="31750"/>
+            </a:effectLst>
+          </p:spPr>
+          <p:txBody>
+            <a:bodyPr wrap="square">
+              <a:spAutoFit/>
+            </a:bodyPr>
+            <a:lstStyle/>
+            <a:p>
+              <a:r>
+                <a:rPr lang="zh-CN" altLang="en-US" dirty="0">
+                  <a:solidFill>
+                    <a:schemeClr val="bg1"/>
+                  </a:solidFill>
+                  <a:latin typeface="Times New Roman" panose="02020603050405020304" pitchFamily="18" charset="0"/>
+                  <a:ea typeface="KaiTi_GB2312" panose="02010609030101010101" pitchFamily="49" charset="-122"/>
+                  <a:cs typeface="Times New Roman" panose="02020603050405020304" pitchFamily="18" charset="0"/>
+                </a:rPr>
+                <a:t>红色结点为叶子结点，表示此时结算，也表示递归终止。</a:t>
+              </a:r>
+              <a:endParaRPr lang="en-US" altLang="zh-CN" dirty="0">
+                <a:solidFill>
+                  <a:schemeClr val="bg1"/>
+                </a:solidFill>
+                <a:latin typeface="Times New Roman" panose="02020603050405020304" pitchFamily="18" charset="0"/>
+                <a:ea typeface="KaiTi_GB2312" panose="02010609030101010101" pitchFamily="49" charset="-122"/>
+                <a:cs typeface="Times New Roman" panose="02020603050405020304" pitchFamily="18" charset="0"/>
+              </a:endParaRPr>
+            </a:p>
+          </p:txBody>
+        </p:sp>
+        <p:sp>
+          <p:nvSpPr>
+            <p:cNvPr id="6" name="矩形 5">
+              <a:extLst>
+                <a:ext uri="{FF2B5EF4-FFF2-40B4-BE49-F238E27FC236}">
+                  <a16:creationId xmlns:a16="http://schemas.microsoft.com/office/drawing/2014/main" id="{18AA1A88-9EC1-CD4F-85F6-27135D3C43C7}"/>
+                </a:ext>
+              </a:extLst>
+            </p:cNvPr>
+            <p:cNvSpPr/>
+            <p:nvPr/>
+          </p:nvSpPr>
+          <p:spPr>
+            <a:xfrm>
+              <a:off x="6374710" y="6298119"/>
+              <a:ext cx="4281568" cy="369332"/>
+            </a:xfrm>
+            <a:prstGeom prst="rect">
+              <a:avLst/>
+            </a:prstGeom>
+            <a:solidFill>
+              <a:srgbClr val="FF40FF"/>
+            </a:solidFill>
+            <a:effectLst>
+              <a:softEdge rad="31750"/>
+            </a:effectLst>
+          </p:spPr>
+          <p:txBody>
+            <a:bodyPr wrap="square">
+              <a:spAutoFit/>
+            </a:bodyPr>
+            <a:lstStyle/>
+            <a:p>
+              <a:r>
+                <a:rPr lang="zh-CN" altLang="en-US" dirty="0">
+                  <a:solidFill>
+                    <a:schemeClr val="bg1"/>
+                  </a:solidFill>
+                  <a:latin typeface="Times New Roman" panose="02020603050405020304" pitchFamily="18" charset="0"/>
+                  <a:ea typeface="KaiTi_GB2312" panose="02010609030101010101" pitchFamily="49" charset="-122"/>
+                  <a:cs typeface="Times New Roman" panose="02020603050405020304" pitchFamily="18" charset="0"/>
+                </a:rPr>
+                <a:t>粉色结点也为叶子结点，表示递归终止。</a:t>
+              </a:r>
+              <a:endParaRPr lang="en-US" altLang="zh-CN" dirty="0">
+                <a:solidFill>
+                  <a:schemeClr val="bg1"/>
+                </a:solidFill>
+                <a:latin typeface="Times New Roman" panose="02020603050405020304" pitchFamily="18" charset="0"/>
+                <a:ea typeface="KaiTi_GB2312" panose="02010609030101010101" pitchFamily="49" charset="-122"/>
+                <a:cs typeface="Times New Roman" panose="02020603050405020304" pitchFamily="18" charset="0"/>
+              </a:endParaRPr>
+            </a:p>
+          </p:txBody>
+        </p:sp>
+        <p:sp>
+          <p:nvSpPr>
+            <p:cNvPr id="7" name="矩形 6">
+              <a:extLst>
+                <a:ext uri="{FF2B5EF4-FFF2-40B4-BE49-F238E27FC236}">
+                  <a16:creationId xmlns:a16="http://schemas.microsoft.com/office/drawing/2014/main" id="{91E17777-81F4-DD45-9E1F-86803556905A}"/>
+                </a:ext>
+              </a:extLst>
+            </p:cNvPr>
+            <p:cNvSpPr/>
+            <p:nvPr/>
+          </p:nvSpPr>
+          <p:spPr>
+            <a:xfrm>
+              <a:off x="6374709" y="5013009"/>
+              <a:ext cx="790598" cy="369332"/>
+            </a:xfrm>
+            <a:prstGeom prst="rect">
+              <a:avLst/>
+            </a:prstGeom>
+          </p:spPr>
+          <p:txBody>
+            <a:bodyPr wrap="square">
+              <a:spAutoFit/>
+            </a:bodyPr>
+            <a:lstStyle/>
+            <a:p>
+              <a:r>
+                <a:rPr lang="zh-CN" altLang="en-US" dirty="0">
+                  <a:latin typeface="Times New Roman" charset="0"/>
+                  <a:ea typeface="楷体" charset="-122"/>
+                  <a:cs typeface="Times New Roman" charset="0"/>
+                </a:rPr>
+                <a:t>图例：</a:t>
+              </a:r>
+            </a:p>
+          </p:txBody>
+        </p:sp>
+      </p:grpSp>
+    </p:spTree>
+    <p:extLst>
+      <p:ext uri="{BB962C8B-B14F-4D97-AF65-F5344CB8AC3E}">
+        <p14:creationId xmlns:p14="http://schemas.microsoft.com/office/powerpoint/2010/main" val="756369477"/>
       </p:ext>
     </p:extLst>
   </p:cSld>

--- a/（模板）LeetCode 第  题：“”题解配图.pptx
+++ b/（模板）LeetCode 第  题：“”题解配图.pptx
@@ -7,6 +7,7 @@
   <p:sldIdLst>
     <p:sldId id="259" r:id="rId2"/>
     <p:sldId id="260" r:id="rId3"/>
+    <p:sldId id="256" r:id="rId4"/>
   </p:sldIdLst>
   <p:sldSz cx="12192000" cy="6858000"/>
   <p:notesSz cx="6858000" cy="9144000"/>
@@ -219,6 +220,226 @@
 </p:sldLayout>
 </file>
 
+<file path=ppt/slideLayouts/slideLayout2.xml><?xml version="1.0" encoding="utf-8"?>
+<p:sldLayout xmlns:a="http://schemas.openxmlformats.org/drawingml/2006/main" xmlns:r="http://schemas.openxmlformats.org/officeDocument/2006/relationships" xmlns:p="http://schemas.openxmlformats.org/presentationml/2006/main" type="title">
+  <p:cSld name="1_标题幻灯片">
+    <p:spTree>
+      <p:nvGrpSpPr>
+        <p:cNvPr id="1" name=""/>
+        <p:cNvGrpSpPr/>
+        <p:nvPr/>
+      </p:nvGrpSpPr>
+      <p:grpSpPr>
+        <a:xfrm>
+          <a:off x="0" y="0"/>
+          <a:ext cx="0" cy="0"/>
+          <a:chOff x="0" y="0"/>
+          <a:chExt cx="0" cy="0"/>
+        </a:xfrm>
+      </p:grpSpPr>
+      <p:sp>
+        <p:nvSpPr>
+          <p:cNvPr id="2" name="标题 1">
+            <a:extLst>
+              <a:ext uri="{FF2B5EF4-FFF2-40B4-BE49-F238E27FC236}">
+                <a16:creationId xmlns:a16="http://schemas.microsoft.com/office/drawing/2014/main" id="{6FACAB53-84A0-A544-A126-7A24D32251DE}"/>
+              </a:ext>
+            </a:extLst>
+          </p:cNvPr>
+          <p:cNvSpPr>
+            <a:spLocks noGrp="1"/>
+          </p:cNvSpPr>
+          <p:nvPr>
+            <p:ph type="ctrTitle"/>
+          </p:nvPr>
+        </p:nvSpPr>
+        <p:spPr>
+          <a:xfrm>
+            <a:off x="1524000" y="1122363"/>
+            <a:ext cx="9144000" cy="2387600"/>
+          </a:xfrm>
+        </p:spPr>
+        <p:txBody>
+          <a:bodyPr anchor="b"/>
+          <a:lstStyle>
+            <a:lvl1pPr algn="ctr">
+              <a:defRPr sz="6000"/>
+            </a:lvl1pPr>
+          </a:lstStyle>
+          <a:p>
+            <a:r>
+              <a:rPr kumimoji="1" lang="zh-CN" altLang="en-US"/>
+              <a:t>单击此处编辑母版标题样式</a:t>
+            </a:r>
+          </a:p>
+        </p:txBody>
+      </p:sp>
+      <p:sp>
+        <p:nvSpPr>
+          <p:cNvPr id="3" name="副标题 2">
+            <a:extLst>
+              <a:ext uri="{FF2B5EF4-FFF2-40B4-BE49-F238E27FC236}">
+                <a16:creationId xmlns:a16="http://schemas.microsoft.com/office/drawing/2014/main" id="{D60F8F6A-DD6E-6F4E-8127-EE86E38AD2A6}"/>
+              </a:ext>
+            </a:extLst>
+          </p:cNvPr>
+          <p:cNvSpPr>
+            <a:spLocks noGrp="1"/>
+          </p:cNvSpPr>
+          <p:nvPr>
+            <p:ph type="subTitle" idx="1"/>
+          </p:nvPr>
+        </p:nvSpPr>
+        <p:spPr>
+          <a:xfrm>
+            <a:off x="1524000" y="3602038"/>
+            <a:ext cx="9144000" cy="1655762"/>
+          </a:xfrm>
+        </p:spPr>
+        <p:txBody>
+          <a:bodyPr/>
+          <a:lstStyle>
+            <a:lvl1pPr marL="0" indent="0" algn="ctr">
+              <a:buNone/>
+              <a:defRPr sz="2400"/>
+            </a:lvl1pPr>
+            <a:lvl2pPr marL="457200" indent="0" algn="ctr">
+              <a:buNone/>
+              <a:defRPr sz="2000"/>
+            </a:lvl2pPr>
+            <a:lvl3pPr marL="914400" indent="0" algn="ctr">
+              <a:buNone/>
+              <a:defRPr sz="1800"/>
+            </a:lvl3pPr>
+            <a:lvl4pPr marL="1371600" indent="0" algn="ctr">
+              <a:buNone/>
+              <a:defRPr sz="1600"/>
+            </a:lvl4pPr>
+            <a:lvl5pPr marL="1828800" indent="0" algn="ctr">
+              <a:buNone/>
+              <a:defRPr sz="1600"/>
+            </a:lvl5pPr>
+            <a:lvl6pPr marL="2286000" indent="0" algn="ctr">
+              <a:buNone/>
+              <a:defRPr sz="1600"/>
+            </a:lvl6pPr>
+            <a:lvl7pPr marL="2743200" indent="0" algn="ctr">
+              <a:buNone/>
+              <a:defRPr sz="1600"/>
+            </a:lvl7pPr>
+            <a:lvl8pPr marL="3200400" indent="0" algn="ctr">
+              <a:buNone/>
+              <a:defRPr sz="1600"/>
+            </a:lvl8pPr>
+            <a:lvl9pPr marL="3657600" indent="0" algn="ctr">
+              <a:buNone/>
+              <a:defRPr sz="1600"/>
+            </a:lvl9pPr>
+          </a:lstStyle>
+          <a:p>
+            <a:r>
+              <a:rPr kumimoji="1" lang="zh-CN" altLang="en-US"/>
+              <a:t>单击此处编辑母版副标题样式</a:t>
+            </a:r>
+          </a:p>
+        </p:txBody>
+      </p:sp>
+      <p:sp>
+        <p:nvSpPr>
+          <p:cNvPr id="4" name="日期占位符 3">
+            <a:extLst>
+              <a:ext uri="{FF2B5EF4-FFF2-40B4-BE49-F238E27FC236}">
+                <a16:creationId xmlns:a16="http://schemas.microsoft.com/office/drawing/2014/main" id="{0044DA47-4340-174E-A86E-51BC0A73578F}"/>
+              </a:ext>
+            </a:extLst>
+          </p:cNvPr>
+          <p:cNvSpPr>
+            <a:spLocks noGrp="1"/>
+          </p:cNvSpPr>
+          <p:nvPr>
+            <p:ph type="dt" sz="half" idx="10"/>
+          </p:nvPr>
+        </p:nvSpPr>
+        <p:spPr/>
+        <p:txBody>
+          <a:bodyPr/>
+          <a:lstStyle/>
+          <a:p>
+            <a:fld id="{C8E3E65A-32FA-7E42-B92E-8A66CF926880}" type="datetimeFigureOut">
+              <a:rPr kumimoji="1" lang="zh-CN" altLang="en-US" smtClean="0"/>
+              <a:t>2019/12/17</a:t>
+            </a:fld>
+            <a:endParaRPr kumimoji="1" lang="zh-CN" altLang="en-US"/>
+          </a:p>
+        </p:txBody>
+      </p:sp>
+      <p:sp>
+        <p:nvSpPr>
+          <p:cNvPr id="5" name="页脚占位符 4">
+            <a:extLst>
+              <a:ext uri="{FF2B5EF4-FFF2-40B4-BE49-F238E27FC236}">
+                <a16:creationId xmlns:a16="http://schemas.microsoft.com/office/drawing/2014/main" id="{DF7AF158-AAC3-F649-89CB-6BFD98B590BA}"/>
+              </a:ext>
+            </a:extLst>
+          </p:cNvPr>
+          <p:cNvSpPr>
+            <a:spLocks noGrp="1"/>
+          </p:cNvSpPr>
+          <p:nvPr>
+            <p:ph type="ftr" sz="quarter" idx="11"/>
+          </p:nvPr>
+        </p:nvSpPr>
+        <p:spPr/>
+        <p:txBody>
+          <a:bodyPr/>
+          <a:lstStyle/>
+          <a:p>
+            <a:endParaRPr kumimoji="1" lang="zh-CN" altLang="en-US"/>
+          </a:p>
+        </p:txBody>
+      </p:sp>
+      <p:sp>
+        <p:nvSpPr>
+          <p:cNvPr id="6" name="灯片编号占位符 5">
+            <a:extLst>
+              <a:ext uri="{FF2B5EF4-FFF2-40B4-BE49-F238E27FC236}">
+                <a16:creationId xmlns:a16="http://schemas.microsoft.com/office/drawing/2014/main" id="{8BFCA12E-7F02-0444-B51D-FA005D7A0215}"/>
+              </a:ext>
+            </a:extLst>
+          </p:cNvPr>
+          <p:cNvSpPr>
+            <a:spLocks noGrp="1"/>
+          </p:cNvSpPr>
+          <p:nvPr>
+            <p:ph type="sldNum" sz="quarter" idx="12"/>
+          </p:nvPr>
+        </p:nvSpPr>
+        <p:spPr/>
+        <p:txBody>
+          <a:bodyPr/>
+          <a:lstStyle/>
+          <a:p>
+            <a:fld id="{AAF660D1-495E-DE40-B085-296D2C20D0BD}" type="slidenum">
+              <a:rPr kumimoji="1" lang="zh-CN" altLang="en-US" smtClean="0"/>
+              <a:t>‹#›</a:t>
+            </a:fld>
+            <a:endParaRPr kumimoji="1" lang="zh-CN" altLang="en-US"/>
+          </a:p>
+        </p:txBody>
+      </p:sp>
+    </p:spTree>
+    <p:extLst>
+      <p:ext uri="{BB962C8B-B14F-4D97-AF65-F5344CB8AC3E}">
+        <p14:creationId xmlns:p14="http://schemas.microsoft.com/office/powerpoint/2010/main" val="3418144171"/>
+      </p:ext>
+    </p:extLst>
+  </p:cSld>
+  <p:clrMapOvr>
+    <a:masterClrMapping/>
+  </p:clrMapOvr>
+</p:sldLayout>
+</file>
+
 <file path=ppt/slideMasters/slideMaster1.xml><?xml version="1.0" encoding="utf-8"?>
 <p:sldMaster xmlns:a="http://schemas.openxmlformats.org/drawingml/2006/main" xmlns:r="http://schemas.openxmlformats.org/officeDocument/2006/relationships" xmlns:p="http://schemas.openxmlformats.org/presentationml/2006/main">
   <p:cSld>
@@ -347,7 +568,7 @@
           <a:p>
             <a:fld id="{7C955CD6-C544-6447-88CB-A2D8D4C328B3}" type="datetimeFigureOut">
               <a:rPr kumimoji="1" lang="zh-CN" altLang="en-US" smtClean="0"/>
-              <a:t>2019/7/26</a:t>
+              <a:t>2019/12/17</a:t>
             </a:fld>
             <a:endParaRPr kumimoji="1" lang="zh-CN" altLang="en-US"/>
           </a:p>
@@ -441,6 +662,7 @@
   <p:clrMap bg1="lt1" tx1="dk1" bg2="lt2" tx2="dk2" accent1="accent1" accent2="accent2" accent3="accent3" accent4="accent4" accent5="accent5" accent6="accent6" hlink="hlink" folHlink="folHlink"/>
   <p:sldLayoutIdLst>
     <p:sldLayoutId id="2147483685" r:id="rId1"/>
+    <p:sldLayoutId id="2147483686" r:id="rId2"/>
   </p:sldLayoutIdLst>
   <p:txStyles>
     <p:titleStyle>
@@ -2162,6 +2384,601 @@
 </p:sld>
 </file>
 
+<file path=ppt/slides/slide3.xml><?xml version="1.0" encoding="utf-8"?>
+<p:sld xmlns:a="http://schemas.openxmlformats.org/drawingml/2006/main" xmlns:r="http://schemas.openxmlformats.org/officeDocument/2006/relationships" xmlns:p="http://schemas.openxmlformats.org/presentationml/2006/main">
+  <p:cSld>
+    <p:spTree>
+      <p:nvGrpSpPr>
+        <p:cNvPr id="1" name=""/>
+        <p:cNvGrpSpPr/>
+        <p:nvPr/>
+      </p:nvGrpSpPr>
+      <p:grpSpPr>
+        <a:xfrm>
+          <a:off x="0" y="0"/>
+          <a:ext cx="0" cy="0"/>
+          <a:chOff x="0" y="0"/>
+          <a:chExt cx="0" cy="0"/>
+        </a:xfrm>
+      </p:grpSpPr>
+      <p:sp>
+        <p:nvSpPr>
+          <p:cNvPr id="4" name="矩形 3">
+            <a:extLst>
+              <a:ext uri="{FF2B5EF4-FFF2-40B4-BE49-F238E27FC236}">
+                <a16:creationId xmlns:a16="http://schemas.microsoft.com/office/drawing/2014/main" id="{34E03C33-6C2A-8E46-A61F-783E55740B59}"/>
+              </a:ext>
+            </a:extLst>
+          </p:cNvPr>
+          <p:cNvSpPr/>
+          <p:nvPr/>
+        </p:nvSpPr>
+        <p:spPr>
+          <a:xfrm>
+            <a:off x="3133619" y="2637890"/>
+            <a:ext cx="791110" cy="791110"/>
+          </a:xfrm>
+          <a:prstGeom prst="rect">
+            <a:avLst/>
+          </a:prstGeom>
+          <a:solidFill>
+            <a:srgbClr val="4285F5"/>
+          </a:solidFill>
+          <a:ln>
+            <a:noFill/>
+          </a:ln>
+        </p:spPr>
+        <p:style>
+          <a:lnRef idx="2">
+            <a:schemeClr val="accent1">
+              <a:shade val="50000"/>
+            </a:schemeClr>
+          </a:lnRef>
+          <a:fillRef idx="1">
+            <a:schemeClr val="accent1"/>
+          </a:fillRef>
+          <a:effectRef idx="0">
+            <a:schemeClr val="accent1"/>
+          </a:effectRef>
+          <a:fontRef idx="minor">
+            <a:schemeClr val="lt1"/>
+          </a:fontRef>
+        </p:style>
+        <p:txBody>
+          <a:bodyPr rtlCol="0" anchor="ctr"/>
+          <a:lstStyle/>
+          <a:p>
+            <a:pPr algn="ctr"/>
+            <a:r>
+              <a:rPr kumimoji="1" lang="en-US" altLang="zh-CN" sz="2400" dirty="0">
+                <a:latin typeface="Menlo" panose="020B0609030804020204" pitchFamily="49" charset="0"/>
+                <a:ea typeface="Menlo" panose="020B0609030804020204" pitchFamily="49" charset="0"/>
+                <a:cs typeface="Menlo" panose="020B0609030804020204" pitchFamily="49" charset="0"/>
+              </a:rPr>
+              <a:t>1</a:t>
+            </a:r>
+            <a:endParaRPr kumimoji="1" lang="zh-CN" altLang="en-US" sz="2400" dirty="0">
+              <a:latin typeface="Menlo" panose="020B0609030804020204" pitchFamily="49" charset="0"/>
+              <a:cs typeface="Menlo" panose="020B0609030804020204" pitchFamily="49" charset="0"/>
+            </a:endParaRPr>
+          </a:p>
+        </p:txBody>
+      </p:sp>
+      <p:sp>
+        <p:nvSpPr>
+          <p:cNvPr id="5" name="矩形 4">
+            <a:extLst>
+              <a:ext uri="{FF2B5EF4-FFF2-40B4-BE49-F238E27FC236}">
+                <a16:creationId xmlns:a16="http://schemas.microsoft.com/office/drawing/2014/main" id="{1D9AF615-669F-F546-889A-D9B7C3766B76}"/>
+              </a:ext>
+            </a:extLst>
+          </p:cNvPr>
+          <p:cNvSpPr/>
+          <p:nvPr/>
+        </p:nvSpPr>
+        <p:spPr>
+          <a:xfrm>
+            <a:off x="4405902" y="2637890"/>
+            <a:ext cx="791110" cy="791110"/>
+          </a:xfrm>
+          <a:prstGeom prst="rect">
+            <a:avLst/>
+          </a:prstGeom>
+          <a:solidFill>
+            <a:srgbClr val="55A869"/>
+          </a:solidFill>
+          <a:ln>
+            <a:noFill/>
+          </a:ln>
+        </p:spPr>
+        <p:style>
+          <a:lnRef idx="2">
+            <a:schemeClr val="accent1">
+              <a:shade val="50000"/>
+            </a:schemeClr>
+          </a:lnRef>
+          <a:fillRef idx="1">
+            <a:schemeClr val="accent1"/>
+          </a:fillRef>
+          <a:effectRef idx="0">
+            <a:schemeClr val="accent1"/>
+          </a:effectRef>
+          <a:fontRef idx="minor">
+            <a:schemeClr val="lt1"/>
+          </a:fontRef>
+        </p:style>
+        <p:txBody>
+          <a:bodyPr rtlCol="0" anchor="ctr"/>
+          <a:lstStyle/>
+          <a:p>
+            <a:pPr algn="ctr"/>
+            <a:r>
+              <a:rPr kumimoji="1" lang="en-US" altLang="zh-CN" sz="2400" dirty="0">
+                <a:latin typeface="Menlo" panose="020B0609030804020204" pitchFamily="49" charset="0"/>
+                <a:ea typeface="Menlo" panose="020B0609030804020204" pitchFamily="49" charset="0"/>
+                <a:cs typeface="Menlo" panose="020B0609030804020204" pitchFamily="49" charset="0"/>
+              </a:rPr>
+              <a:t>2</a:t>
+            </a:r>
+            <a:endParaRPr kumimoji="1" lang="zh-CN" altLang="en-US" sz="2400" dirty="0">
+              <a:latin typeface="Menlo" panose="020B0609030804020204" pitchFamily="49" charset="0"/>
+              <a:cs typeface="Menlo" panose="020B0609030804020204" pitchFamily="49" charset="0"/>
+            </a:endParaRPr>
+          </a:p>
+        </p:txBody>
+      </p:sp>
+      <p:sp>
+        <p:nvSpPr>
+          <p:cNvPr id="6" name="矩形 5">
+            <a:extLst>
+              <a:ext uri="{FF2B5EF4-FFF2-40B4-BE49-F238E27FC236}">
+                <a16:creationId xmlns:a16="http://schemas.microsoft.com/office/drawing/2014/main" id="{C7BD9501-9DC4-D84F-B588-B68CAC8DA185}"/>
+              </a:ext>
+            </a:extLst>
+          </p:cNvPr>
+          <p:cNvSpPr/>
+          <p:nvPr/>
+        </p:nvSpPr>
+        <p:spPr>
+          <a:xfrm>
+            <a:off x="5678185" y="2637890"/>
+            <a:ext cx="791110" cy="791110"/>
+          </a:xfrm>
+          <a:prstGeom prst="rect">
+            <a:avLst/>
+          </a:prstGeom>
+          <a:solidFill>
+            <a:srgbClr val="EB4335"/>
+          </a:solidFill>
+          <a:ln>
+            <a:noFill/>
+          </a:ln>
+        </p:spPr>
+        <p:style>
+          <a:lnRef idx="2">
+            <a:schemeClr val="accent1">
+              <a:shade val="50000"/>
+            </a:schemeClr>
+          </a:lnRef>
+          <a:fillRef idx="1">
+            <a:schemeClr val="accent1"/>
+          </a:fillRef>
+          <a:effectRef idx="0">
+            <a:schemeClr val="accent1"/>
+          </a:effectRef>
+          <a:fontRef idx="minor">
+            <a:schemeClr val="lt1"/>
+          </a:fontRef>
+        </p:style>
+        <p:txBody>
+          <a:bodyPr rot="0" spcFirstLastPara="0" vertOverflow="overflow" horzOverflow="overflow" vert="horz" wrap="square" lIns="91440" tIns="45720" rIns="91440" bIns="45720" numCol="1" spcCol="0" rtlCol="0" fromWordArt="0" anchor="ctr" anchorCtr="0" forceAA="0" compatLnSpc="1">
+            <a:prstTxWarp prst="textNoShape">
+              <a:avLst/>
+            </a:prstTxWarp>
+            <a:noAutofit/>
+          </a:bodyPr>
+          <a:lstStyle/>
+          <a:p>
+            <a:pPr algn="ctr"/>
+            <a:r>
+              <a:rPr kumimoji="1" lang="en-US" altLang="zh-CN" sz="2400" dirty="0">
+                <a:latin typeface="Menlo" panose="020B0609030804020204" pitchFamily="49" charset="0"/>
+                <a:ea typeface="Menlo" panose="020B0609030804020204" pitchFamily="49" charset="0"/>
+                <a:cs typeface="Menlo" panose="020B0609030804020204" pitchFamily="49" charset="0"/>
+              </a:rPr>
+              <a:t>3</a:t>
+            </a:r>
+            <a:endParaRPr kumimoji="1" lang="zh-CN" altLang="en-US" sz="2400" dirty="0">
+              <a:latin typeface="Menlo" panose="020B0609030804020204" pitchFamily="49" charset="0"/>
+              <a:cs typeface="Menlo" panose="020B0609030804020204" pitchFamily="49" charset="0"/>
+            </a:endParaRPr>
+          </a:p>
+        </p:txBody>
+      </p:sp>
+      <p:sp>
+        <p:nvSpPr>
+          <p:cNvPr id="7" name="矩形 6">
+            <a:extLst>
+              <a:ext uri="{FF2B5EF4-FFF2-40B4-BE49-F238E27FC236}">
+                <a16:creationId xmlns:a16="http://schemas.microsoft.com/office/drawing/2014/main" id="{5C3A203E-5729-F942-854A-DC1AA070FD28}"/>
+              </a:ext>
+            </a:extLst>
+          </p:cNvPr>
+          <p:cNvSpPr/>
+          <p:nvPr/>
+        </p:nvSpPr>
+        <p:spPr>
+          <a:xfrm>
+            <a:off x="6950468" y="2637890"/>
+            <a:ext cx="791110" cy="791110"/>
+          </a:xfrm>
+          <a:prstGeom prst="rect">
+            <a:avLst/>
+          </a:prstGeom>
+          <a:solidFill>
+            <a:srgbClr val="FBBC05"/>
+          </a:solidFill>
+          <a:ln>
+            <a:noFill/>
+          </a:ln>
+        </p:spPr>
+        <p:style>
+          <a:lnRef idx="2">
+            <a:schemeClr val="accent1">
+              <a:shade val="50000"/>
+            </a:schemeClr>
+          </a:lnRef>
+          <a:fillRef idx="1">
+            <a:schemeClr val="accent1"/>
+          </a:fillRef>
+          <a:effectRef idx="0">
+            <a:schemeClr val="accent1"/>
+          </a:effectRef>
+          <a:fontRef idx="minor">
+            <a:schemeClr val="lt1"/>
+          </a:fontRef>
+        </p:style>
+        <p:txBody>
+          <a:bodyPr rtlCol="0" anchor="ctr"/>
+          <a:lstStyle/>
+          <a:p>
+            <a:pPr algn="ctr"/>
+            <a:r>
+              <a:rPr kumimoji="1" lang="en-US" altLang="zh-CN" sz="2400" dirty="0">
+                <a:latin typeface="Menlo" panose="020B0609030804020204" pitchFamily="49" charset="0"/>
+                <a:ea typeface="Menlo" panose="020B0609030804020204" pitchFamily="49" charset="0"/>
+                <a:cs typeface="Menlo" panose="020B0609030804020204" pitchFamily="49" charset="0"/>
+              </a:rPr>
+              <a:t>4</a:t>
+            </a:r>
+            <a:endParaRPr kumimoji="1" lang="zh-CN" altLang="en-US" sz="2400" dirty="0">
+              <a:latin typeface="Menlo" panose="020B0609030804020204" pitchFamily="49" charset="0"/>
+              <a:cs typeface="Menlo" panose="020B0609030804020204" pitchFamily="49" charset="0"/>
+            </a:endParaRPr>
+          </a:p>
+        </p:txBody>
+      </p:sp>
+    </p:spTree>
+    <p:extLst>
+      <p:ext uri="{BB962C8B-B14F-4D97-AF65-F5344CB8AC3E}">
+        <p14:creationId xmlns:p14="http://schemas.microsoft.com/office/powerpoint/2010/main" val="4074513807"/>
+      </p:ext>
+    </p:extLst>
+  </p:cSld>
+  <p:clrMapOvr>
+    <a:masterClrMapping/>
+  </p:clrMapOvr>
+  <p:timing>
+    <p:tnLst>
+      <p:par>
+        <p:cTn id="1" dur="indefinite" restart="never" nodeType="tmRoot">
+          <p:childTnLst>
+            <p:seq concurrent="1" nextAc="seek">
+              <p:cTn id="2" dur="indefinite" nodeType="mainSeq">
+                <p:childTnLst>
+                  <p:par>
+                    <p:cTn id="3" fill="hold">
+                      <p:stCondLst>
+                        <p:cond delay="indefinite"/>
+                      </p:stCondLst>
+                      <p:childTnLst>
+                        <p:par>
+                          <p:cTn id="4" fill="hold">
+                            <p:stCondLst>
+                              <p:cond delay="0"/>
+                            </p:stCondLst>
+                            <p:childTnLst>
+                              <p:par>
+                                <p:cTn id="5" presetID="2" presetClass="entr" presetSubtype="2" fill="hold" grpId="0" nodeType="clickEffect">
+                                  <p:stCondLst>
+                                    <p:cond delay="0"/>
+                                  </p:stCondLst>
+                                  <p:childTnLst>
+                                    <p:set>
+                                      <p:cBhvr>
+                                        <p:cTn id="6" dur="1" fill="hold">
+                                          <p:stCondLst>
+                                            <p:cond delay="0"/>
+                                          </p:stCondLst>
+                                        </p:cTn>
+                                        <p:tgtEl>
+                                          <p:spTgt spid="5"/>
+                                        </p:tgtEl>
+                                        <p:attrNameLst>
+                                          <p:attrName>style.visibility</p:attrName>
+                                        </p:attrNameLst>
+                                      </p:cBhvr>
+                                      <p:to>
+                                        <p:strVal val="visible"/>
+                                      </p:to>
+                                    </p:set>
+                                    <p:anim calcmode="lin" valueType="num">
+                                      <p:cBhvr additive="base">
+                                        <p:cTn id="7" dur="500" fill="hold"/>
+                                        <p:tgtEl>
+                                          <p:spTgt spid="5"/>
+                                        </p:tgtEl>
+                                        <p:attrNameLst>
+                                          <p:attrName>ppt_x</p:attrName>
+                                        </p:attrNameLst>
+                                      </p:cBhvr>
+                                      <p:tavLst>
+                                        <p:tav tm="0">
+                                          <p:val>
+                                            <p:strVal val="1+#ppt_w/2"/>
+                                          </p:val>
+                                        </p:tav>
+                                        <p:tav tm="100000">
+                                          <p:val>
+                                            <p:strVal val="#ppt_x"/>
+                                          </p:val>
+                                        </p:tav>
+                                      </p:tavLst>
+                                    </p:anim>
+                                    <p:anim calcmode="lin" valueType="num">
+                                      <p:cBhvr additive="base">
+                                        <p:cTn id="8" dur="500" fill="hold"/>
+                                        <p:tgtEl>
+                                          <p:spTgt spid="5"/>
+                                        </p:tgtEl>
+                                        <p:attrNameLst>
+                                          <p:attrName>ppt_y</p:attrName>
+                                        </p:attrNameLst>
+                                      </p:cBhvr>
+                                      <p:tavLst>
+                                        <p:tav tm="0">
+                                          <p:val>
+                                            <p:strVal val="#ppt_y"/>
+                                          </p:val>
+                                        </p:tav>
+                                        <p:tav tm="100000">
+                                          <p:val>
+                                            <p:strVal val="#ppt_y"/>
+                                          </p:val>
+                                        </p:tav>
+                                      </p:tavLst>
+                                    </p:anim>
+                                  </p:childTnLst>
+                                </p:cTn>
+                              </p:par>
+                            </p:childTnLst>
+                          </p:cTn>
+                        </p:par>
+                      </p:childTnLst>
+                    </p:cTn>
+                  </p:par>
+                  <p:par>
+                    <p:cTn id="9" fill="hold">
+                      <p:stCondLst>
+                        <p:cond delay="indefinite"/>
+                      </p:stCondLst>
+                      <p:childTnLst>
+                        <p:par>
+                          <p:cTn id="10" fill="hold">
+                            <p:stCondLst>
+                              <p:cond delay="0"/>
+                            </p:stCondLst>
+                            <p:childTnLst>
+                              <p:par>
+                                <p:cTn id="11" presetID="2" presetClass="entr" presetSubtype="2" fill="hold" grpId="0" nodeType="clickEffect">
+                                  <p:stCondLst>
+                                    <p:cond delay="0"/>
+                                  </p:stCondLst>
+                                  <p:childTnLst>
+                                    <p:set>
+                                      <p:cBhvr>
+                                        <p:cTn id="12" dur="1" fill="hold">
+                                          <p:stCondLst>
+                                            <p:cond delay="0"/>
+                                          </p:stCondLst>
+                                        </p:cTn>
+                                        <p:tgtEl>
+                                          <p:spTgt spid="6"/>
+                                        </p:tgtEl>
+                                        <p:attrNameLst>
+                                          <p:attrName>style.visibility</p:attrName>
+                                        </p:attrNameLst>
+                                      </p:cBhvr>
+                                      <p:to>
+                                        <p:strVal val="visible"/>
+                                      </p:to>
+                                    </p:set>
+                                    <p:anim calcmode="lin" valueType="num">
+                                      <p:cBhvr additive="base">
+                                        <p:cTn id="13" dur="500" fill="hold"/>
+                                        <p:tgtEl>
+                                          <p:spTgt spid="6"/>
+                                        </p:tgtEl>
+                                        <p:attrNameLst>
+                                          <p:attrName>ppt_x</p:attrName>
+                                        </p:attrNameLst>
+                                      </p:cBhvr>
+                                      <p:tavLst>
+                                        <p:tav tm="0">
+                                          <p:val>
+                                            <p:strVal val="1+#ppt_w/2"/>
+                                          </p:val>
+                                        </p:tav>
+                                        <p:tav tm="100000">
+                                          <p:val>
+                                            <p:strVal val="#ppt_x"/>
+                                          </p:val>
+                                        </p:tav>
+                                      </p:tavLst>
+                                    </p:anim>
+                                    <p:anim calcmode="lin" valueType="num">
+                                      <p:cBhvr additive="base">
+                                        <p:cTn id="14" dur="500" fill="hold"/>
+                                        <p:tgtEl>
+                                          <p:spTgt spid="6"/>
+                                        </p:tgtEl>
+                                        <p:attrNameLst>
+                                          <p:attrName>ppt_y</p:attrName>
+                                        </p:attrNameLst>
+                                      </p:cBhvr>
+                                      <p:tavLst>
+                                        <p:tav tm="0">
+                                          <p:val>
+                                            <p:strVal val="#ppt_y"/>
+                                          </p:val>
+                                        </p:tav>
+                                        <p:tav tm="100000">
+                                          <p:val>
+                                            <p:strVal val="#ppt_y"/>
+                                          </p:val>
+                                        </p:tav>
+                                      </p:tavLst>
+                                    </p:anim>
+                                  </p:childTnLst>
+                                </p:cTn>
+                              </p:par>
+                            </p:childTnLst>
+                          </p:cTn>
+                        </p:par>
+                      </p:childTnLst>
+                    </p:cTn>
+                  </p:par>
+                  <p:par>
+                    <p:cTn id="15" fill="hold">
+                      <p:stCondLst>
+                        <p:cond delay="indefinite"/>
+                      </p:stCondLst>
+                      <p:childTnLst>
+                        <p:par>
+                          <p:cTn id="16" fill="hold">
+                            <p:stCondLst>
+                              <p:cond delay="0"/>
+                            </p:stCondLst>
+                            <p:childTnLst>
+                              <p:par>
+                                <p:cTn id="17" presetID="2" presetClass="entr" presetSubtype="2" fill="hold" grpId="0" nodeType="clickEffect">
+                                  <p:stCondLst>
+                                    <p:cond delay="0"/>
+                                  </p:stCondLst>
+                                  <p:childTnLst>
+                                    <p:set>
+                                      <p:cBhvr>
+                                        <p:cTn id="18" dur="1" fill="hold">
+                                          <p:stCondLst>
+                                            <p:cond delay="0"/>
+                                          </p:stCondLst>
+                                        </p:cTn>
+                                        <p:tgtEl>
+                                          <p:spTgt spid="7"/>
+                                        </p:tgtEl>
+                                        <p:attrNameLst>
+                                          <p:attrName>style.visibility</p:attrName>
+                                        </p:attrNameLst>
+                                      </p:cBhvr>
+                                      <p:to>
+                                        <p:strVal val="visible"/>
+                                      </p:to>
+                                    </p:set>
+                                    <p:anim calcmode="lin" valueType="num">
+                                      <p:cBhvr additive="base">
+                                        <p:cTn id="19" dur="500" fill="hold"/>
+                                        <p:tgtEl>
+                                          <p:spTgt spid="7"/>
+                                        </p:tgtEl>
+                                        <p:attrNameLst>
+                                          <p:attrName>ppt_x</p:attrName>
+                                        </p:attrNameLst>
+                                      </p:cBhvr>
+                                      <p:tavLst>
+                                        <p:tav tm="0">
+                                          <p:val>
+                                            <p:strVal val="1+#ppt_w/2"/>
+                                          </p:val>
+                                        </p:tav>
+                                        <p:tav tm="100000">
+                                          <p:val>
+                                            <p:strVal val="#ppt_x"/>
+                                          </p:val>
+                                        </p:tav>
+                                      </p:tavLst>
+                                    </p:anim>
+                                    <p:anim calcmode="lin" valueType="num">
+                                      <p:cBhvr additive="base">
+                                        <p:cTn id="20" dur="500" fill="hold"/>
+                                        <p:tgtEl>
+                                          <p:spTgt spid="7"/>
+                                        </p:tgtEl>
+                                        <p:attrNameLst>
+                                          <p:attrName>ppt_y</p:attrName>
+                                        </p:attrNameLst>
+                                      </p:cBhvr>
+                                      <p:tavLst>
+                                        <p:tav tm="0">
+                                          <p:val>
+                                            <p:strVal val="#ppt_y"/>
+                                          </p:val>
+                                        </p:tav>
+                                        <p:tav tm="100000">
+                                          <p:val>
+                                            <p:strVal val="#ppt_y"/>
+                                          </p:val>
+                                        </p:tav>
+                                      </p:tavLst>
+                                    </p:anim>
+                                  </p:childTnLst>
+                                </p:cTn>
+                              </p:par>
+                            </p:childTnLst>
+                          </p:cTn>
+                        </p:par>
+                      </p:childTnLst>
+                    </p:cTn>
+                  </p:par>
+                </p:childTnLst>
+              </p:cTn>
+              <p:prevCondLst>
+                <p:cond evt="onPrev" delay="0">
+                  <p:tgtEl>
+                    <p:sldTgt/>
+                  </p:tgtEl>
+                </p:cond>
+              </p:prevCondLst>
+              <p:nextCondLst>
+                <p:cond evt="onNext" delay="0">
+                  <p:tgtEl>
+                    <p:sldTgt/>
+                  </p:tgtEl>
+                </p:cond>
+              </p:nextCondLst>
+            </p:seq>
+          </p:childTnLst>
+        </p:cTn>
+      </p:par>
+    </p:tnLst>
+    <p:bldLst>
+      <p:bldP spid="5" grpId="0" animBg="1"/>
+      <p:bldP spid="6" grpId="0" animBg="1"/>
+      <p:bldP spid="7" grpId="0" animBg="1"/>
+    </p:bldLst>
+  </p:timing>
+</p:sld>
+</file>
+
 <file path=ppt/theme/theme1.xml><?xml version="1.0" encoding="utf-8"?>
 <a:theme xmlns:a="http://schemas.openxmlformats.org/drawingml/2006/main" name="Office 主题​​">
   <a:themeElements>
